--- a/ppt 16-9/0406.金钱不是万能.pptx
+++ b/ppt 16-9/0406.金钱不是万能.pptx
@@ -5,7 +5,7 @@
     <p:sldMasterId id="2147483648" r:id="rId1"/>
   </p:sldMasterIdLst>
   <p:sldIdLst>
-    <p:sldId id="2879" r:id="rId2"/>
+    <p:sldId id="2880" r:id="rId2"/>
   </p:sldIdLst>
   <p:sldSz cx="12192000" cy="6858000"/>
   <p:notesSz cx="6858000" cy="9144000"/>
@@ -129,7 +129,7 @@
           <p:cNvPr id="2" name="标题 1">
             <a:extLst>
               <a:ext uri="{FF2B5EF4-FFF2-40B4-BE49-F238E27FC236}">
-                <a16:creationId xmlns:a16="http://schemas.microsoft.com/office/drawing/2014/main" id="{36B45D96-37F0-B990-9B10-7D7864361F11}"/>
+                <a16:creationId xmlns:a16="http://schemas.microsoft.com/office/drawing/2014/main" id="{231459A6-A673-0FE0-4249-C81D460CA5A7}"/>
               </a:ext>
             </a:extLst>
           </p:cNvPr>
@@ -166,7 +166,7 @@
           <p:cNvPr id="3" name="副标题 2">
             <a:extLst>
               <a:ext uri="{FF2B5EF4-FFF2-40B4-BE49-F238E27FC236}">
-                <a16:creationId xmlns:a16="http://schemas.microsoft.com/office/drawing/2014/main" id="{749CFE82-D458-ECA0-8CF0-DD6166395168}"/>
+                <a16:creationId xmlns:a16="http://schemas.microsoft.com/office/drawing/2014/main" id="{5D442C26-7954-BAE1-7BC1-82706A311952}"/>
               </a:ext>
             </a:extLst>
           </p:cNvPr>
@@ -236,7 +236,7 @@
           <p:cNvPr id="4" name="日期占位符 3">
             <a:extLst>
               <a:ext uri="{FF2B5EF4-FFF2-40B4-BE49-F238E27FC236}">
-                <a16:creationId xmlns:a16="http://schemas.microsoft.com/office/drawing/2014/main" id="{1DCC8AB2-A78C-DEB8-206E-9175022E2672}"/>
+                <a16:creationId xmlns:a16="http://schemas.microsoft.com/office/drawing/2014/main" id="{2209CC00-0680-3E95-E55E-1009356BC720}"/>
               </a:ext>
             </a:extLst>
           </p:cNvPr>
@@ -252,7 +252,7 @@
           <a:bodyPr/>
           <a:lstStyle/>
           <a:p>
-            <a:fld id="{F382B6AC-E62B-4485-A22D-CE2ED0028908}" type="datetimeFigureOut">
+            <a:fld id="{16BCA40A-C196-4745-8248-85D8B49D5DD0}" type="datetimeFigureOut">
               <a:rPr lang="zh-CN" altLang="en-US" smtClean="0"/>
               <a:t>2024/3/10</a:t>
             </a:fld>
@@ -265,7 +265,7 @@
           <p:cNvPr id="5" name="页脚占位符 4">
             <a:extLst>
               <a:ext uri="{FF2B5EF4-FFF2-40B4-BE49-F238E27FC236}">
-                <a16:creationId xmlns:a16="http://schemas.microsoft.com/office/drawing/2014/main" id="{6C442FD8-6BA1-82EE-508C-F29A40BF9222}"/>
+                <a16:creationId xmlns:a16="http://schemas.microsoft.com/office/drawing/2014/main" id="{874ABFC0-663F-CD0F-D032-68DF4F442E6E}"/>
               </a:ext>
             </a:extLst>
           </p:cNvPr>
@@ -290,7 +290,7 @@
           <p:cNvPr id="6" name="灯片编号占位符 5">
             <a:extLst>
               <a:ext uri="{FF2B5EF4-FFF2-40B4-BE49-F238E27FC236}">
-                <a16:creationId xmlns:a16="http://schemas.microsoft.com/office/drawing/2014/main" id="{62FB5CB1-B820-D8E3-2660-48821C7BFF69}"/>
+                <a16:creationId xmlns:a16="http://schemas.microsoft.com/office/drawing/2014/main" id="{859BD7BE-CEE7-24C2-A381-D14124D477A3}"/>
               </a:ext>
             </a:extLst>
           </p:cNvPr>
@@ -306,7 +306,7 @@
           <a:bodyPr/>
           <a:lstStyle/>
           <a:p>
-            <a:fld id="{40FAA850-FC60-40CB-99B8-17E2A974B809}" type="slidenum">
+            <a:fld id="{B1C439CD-A953-437E-8EBE-9EDFFDC8AFB9}" type="slidenum">
               <a:rPr lang="zh-CN" altLang="en-US" smtClean="0"/>
               <a:t>‹#›</a:t>
             </a:fld>
@@ -317,7 +317,7 @@
     </p:spTree>
     <p:extLst>
       <p:ext uri="{BB962C8B-B14F-4D97-AF65-F5344CB8AC3E}">
-        <p14:creationId xmlns:p14="http://schemas.microsoft.com/office/powerpoint/2010/main" val="180772137"/>
+        <p14:creationId xmlns:p14="http://schemas.microsoft.com/office/powerpoint/2010/main" val="2383456917"/>
       </p:ext>
     </p:extLst>
   </p:cSld>
@@ -349,7 +349,7 @@
           <p:cNvPr id="2" name="标题 1">
             <a:extLst>
               <a:ext uri="{FF2B5EF4-FFF2-40B4-BE49-F238E27FC236}">
-                <a16:creationId xmlns:a16="http://schemas.microsoft.com/office/drawing/2014/main" id="{23A244B5-090B-3049-06DF-9A2EB3D4EF81}"/>
+                <a16:creationId xmlns:a16="http://schemas.microsoft.com/office/drawing/2014/main" id="{79BB68FB-ED72-1BA9-1C48-BB82E4264982}"/>
               </a:ext>
             </a:extLst>
           </p:cNvPr>
@@ -377,7 +377,7 @@
           <p:cNvPr id="3" name="竖排文字占位符 2">
             <a:extLst>
               <a:ext uri="{FF2B5EF4-FFF2-40B4-BE49-F238E27FC236}">
-                <a16:creationId xmlns:a16="http://schemas.microsoft.com/office/drawing/2014/main" id="{14E395F2-EB5D-395E-FF3D-F10E2211266B}"/>
+                <a16:creationId xmlns:a16="http://schemas.microsoft.com/office/drawing/2014/main" id="{08DFC27D-7009-53F4-A569-86AA8DD766C7}"/>
               </a:ext>
             </a:extLst>
           </p:cNvPr>
@@ -434,7 +434,7 @@
           <p:cNvPr id="4" name="日期占位符 3">
             <a:extLst>
               <a:ext uri="{FF2B5EF4-FFF2-40B4-BE49-F238E27FC236}">
-                <a16:creationId xmlns:a16="http://schemas.microsoft.com/office/drawing/2014/main" id="{3F2FDDDA-E51C-B720-FB90-5CD5799BE850}"/>
+                <a16:creationId xmlns:a16="http://schemas.microsoft.com/office/drawing/2014/main" id="{D422848D-2231-053A-8118-8DACA593A0D8}"/>
               </a:ext>
             </a:extLst>
           </p:cNvPr>
@@ -450,7 +450,7 @@
           <a:bodyPr/>
           <a:lstStyle/>
           <a:p>
-            <a:fld id="{F382B6AC-E62B-4485-A22D-CE2ED0028908}" type="datetimeFigureOut">
+            <a:fld id="{16BCA40A-C196-4745-8248-85D8B49D5DD0}" type="datetimeFigureOut">
               <a:rPr lang="zh-CN" altLang="en-US" smtClean="0"/>
               <a:t>2024/3/10</a:t>
             </a:fld>
@@ -463,7 +463,7 @@
           <p:cNvPr id="5" name="页脚占位符 4">
             <a:extLst>
               <a:ext uri="{FF2B5EF4-FFF2-40B4-BE49-F238E27FC236}">
-                <a16:creationId xmlns:a16="http://schemas.microsoft.com/office/drawing/2014/main" id="{434AD511-9828-6C7A-19CF-0CE61639F539}"/>
+                <a16:creationId xmlns:a16="http://schemas.microsoft.com/office/drawing/2014/main" id="{C3C803A0-CAEB-2805-4F9D-826B9C74116B}"/>
               </a:ext>
             </a:extLst>
           </p:cNvPr>
@@ -488,7 +488,7 @@
           <p:cNvPr id="6" name="灯片编号占位符 5">
             <a:extLst>
               <a:ext uri="{FF2B5EF4-FFF2-40B4-BE49-F238E27FC236}">
-                <a16:creationId xmlns:a16="http://schemas.microsoft.com/office/drawing/2014/main" id="{34A74436-EC15-D8F4-4660-4D7FF5BA891A}"/>
+                <a16:creationId xmlns:a16="http://schemas.microsoft.com/office/drawing/2014/main" id="{F5E4671C-B841-FF78-9635-0E0FED5299DA}"/>
               </a:ext>
             </a:extLst>
           </p:cNvPr>
@@ -504,7 +504,7 @@
           <a:bodyPr/>
           <a:lstStyle/>
           <a:p>
-            <a:fld id="{40FAA850-FC60-40CB-99B8-17E2A974B809}" type="slidenum">
+            <a:fld id="{B1C439CD-A953-437E-8EBE-9EDFFDC8AFB9}" type="slidenum">
               <a:rPr lang="zh-CN" altLang="en-US" smtClean="0"/>
               <a:t>‹#›</a:t>
             </a:fld>
@@ -515,7 +515,7 @@
     </p:spTree>
     <p:extLst>
       <p:ext uri="{BB962C8B-B14F-4D97-AF65-F5344CB8AC3E}">
-        <p14:creationId xmlns:p14="http://schemas.microsoft.com/office/powerpoint/2010/main" val="2335587660"/>
+        <p14:creationId xmlns:p14="http://schemas.microsoft.com/office/powerpoint/2010/main" val="1861463547"/>
       </p:ext>
     </p:extLst>
   </p:cSld>
@@ -547,7 +547,7 @@
           <p:cNvPr id="2" name="竖排标题 1">
             <a:extLst>
               <a:ext uri="{FF2B5EF4-FFF2-40B4-BE49-F238E27FC236}">
-                <a16:creationId xmlns:a16="http://schemas.microsoft.com/office/drawing/2014/main" id="{F76EACB4-E76B-065E-AD48-0E382F8DE0F7}"/>
+                <a16:creationId xmlns:a16="http://schemas.microsoft.com/office/drawing/2014/main" id="{6005C2C1-662B-4A5C-DD30-04184365142F}"/>
               </a:ext>
             </a:extLst>
           </p:cNvPr>
@@ -580,7 +580,7 @@
           <p:cNvPr id="3" name="竖排文字占位符 2">
             <a:extLst>
               <a:ext uri="{FF2B5EF4-FFF2-40B4-BE49-F238E27FC236}">
-                <a16:creationId xmlns:a16="http://schemas.microsoft.com/office/drawing/2014/main" id="{E191BA49-4DC6-F65A-CD5B-2A467BDE7723}"/>
+                <a16:creationId xmlns:a16="http://schemas.microsoft.com/office/drawing/2014/main" id="{B3BB66F1-BF1B-B467-5F0D-11B38177B24E}"/>
               </a:ext>
             </a:extLst>
           </p:cNvPr>
@@ -642,7 +642,7 @@
           <p:cNvPr id="4" name="日期占位符 3">
             <a:extLst>
               <a:ext uri="{FF2B5EF4-FFF2-40B4-BE49-F238E27FC236}">
-                <a16:creationId xmlns:a16="http://schemas.microsoft.com/office/drawing/2014/main" id="{6F5EFF79-BBC2-A2AD-C821-DE37F0AD6444}"/>
+                <a16:creationId xmlns:a16="http://schemas.microsoft.com/office/drawing/2014/main" id="{C951FC31-F675-78B7-468A-DAACB45C5463}"/>
               </a:ext>
             </a:extLst>
           </p:cNvPr>
@@ -658,7 +658,7 @@
           <a:bodyPr/>
           <a:lstStyle/>
           <a:p>
-            <a:fld id="{F382B6AC-E62B-4485-A22D-CE2ED0028908}" type="datetimeFigureOut">
+            <a:fld id="{16BCA40A-C196-4745-8248-85D8B49D5DD0}" type="datetimeFigureOut">
               <a:rPr lang="zh-CN" altLang="en-US" smtClean="0"/>
               <a:t>2024/3/10</a:t>
             </a:fld>
@@ -671,7 +671,7 @@
           <p:cNvPr id="5" name="页脚占位符 4">
             <a:extLst>
               <a:ext uri="{FF2B5EF4-FFF2-40B4-BE49-F238E27FC236}">
-                <a16:creationId xmlns:a16="http://schemas.microsoft.com/office/drawing/2014/main" id="{C9EB82A2-2513-AB5E-EDC7-23C90379BDE6}"/>
+                <a16:creationId xmlns:a16="http://schemas.microsoft.com/office/drawing/2014/main" id="{ACF2CC4D-A70D-4A30-8151-5BB5800F22DB}"/>
               </a:ext>
             </a:extLst>
           </p:cNvPr>
@@ -696,7 +696,7 @@
           <p:cNvPr id="6" name="灯片编号占位符 5">
             <a:extLst>
               <a:ext uri="{FF2B5EF4-FFF2-40B4-BE49-F238E27FC236}">
-                <a16:creationId xmlns:a16="http://schemas.microsoft.com/office/drawing/2014/main" id="{9221E833-983E-2742-4ABE-F55B1F631C43}"/>
+                <a16:creationId xmlns:a16="http://schemas.microsoft.com/office/drawing/2014/main" id="{8A76C1B6-4282-86DA-5C8C-6BEC6266E8A8}"/>
               </a:ext>
             </a:extLst>
           </p:cNvPr>
@@ -712,7 +712,7 @@
           <a:bodyPr/>
           <a:lstStyle/>
           <a:p>
-            <a:fld id="{40FAA850-FC60-40CB-99B8-17E2A974B809}" type="slidenum">
+            <a:fld id="{B1C439CD-A953-437E-8EBE-9EDFFDC8AFB9}" type="slidenum">
               <a:rPr lang="zh-CN" altLang="en-US" smtClean="0"/>
               <a:t>‹#›</a:t>
             </a:fld>
@@ -723,7 +723,7 @@
     </p:spTree>
     <p:extLst>
       <p:ext uri="{BB962C8B-B14F-4D97-AF65-F5344CB8AC3E}">
-        <p14:creationId xmlns:p14="http://schemas.microsoft.com/office/powerpoint/2010/main" val="1195765400"/>
+        <p14:creationId xmlns:p14="http://schemas.microsoft.com/office/powerpoint/2010/main" val="1112971412"/>
       </p:ext>
     </p:extLst>
   </p:cSld>
@@ -755,7 +755,7 @@
           <p:cNvPr id="2" name="标题 1">
             <a:extLst>
               <a:ext uri="{FF2B5EF4-FFF2-40B4-BE49-F238E27FC236}">
-                <a16:creationId xmlns:a16="http://schemas.microsoft.com/office/drawing/2014/main" id="{868BD260-1044-9A46-A202-AF4CFC046901}"/>
+                <a16:creationId xmlns:a16="http://schemas.microsoft.com/office/drawing/2014/main" id="{3C46AB6D-D157-3E2A-1703-8F4814A39D53}"/>
               </a:ext>
             </a:extLst>
           </p:cNvPr>
@@ -783,7 +783,7 @@
           <p:cNvPr id="3" name="内容占位符 2">
             <a:extLst>
               <a:ext uri="{FF2B5EF4-FFF2-40B4-BE49-F238E27FC236}">
-                <a16:creationId xmlns:a16="http://schemas.microsoft.com/office/drawing/2014/main" id="{4DB5F5FB-2D23-5314-7D00-BEB2525B5203}"/>
+                <a16:creationId xmlns:a16="http://schemas.microsoft.com/office/drawing/2014/main" id="{02CFDE90-1548-4869-74B9-3B9250D7C9CF}"/>
               </a:ext>
             </a:extLst>
           </p:cNvPr>
@@ -840,7 +840,7 @@
           <p:cNvPr id="4" name="日期占位符 3">
             <a:extLst>
               <a:ext uri="{FF2B5EF4-FFF2-40B4-BE49-F238E27FC236}">
-                <a16:creationId xmlns:a16="http://schemas.microsoft.com/office/drawing/2014/main" id="{F7580CEC-815F-D6D5-D796-FF03ECA5D4C9}"/>
+                <a16:creationId xmlns:a16="http://schemas.microsoft.com/office/drawing/2014/main" id="{29BAF8BB-7874-3423-45F0-86DA2FBC6490}"/>
               </a:ext>
             </a:extLst>
           </p:cNvPr>
@@ -856,7 +856,7 @@
           <a:bodyPr/>
           <a:lstStyle/>
           <a:p>
-            <a:fld id="{F382B6AC-E62B-4485-A22D-CE2ED0028908}" type="datetimeFigureOut">
+            <a:fld id="{16BCA40A-C196-4745-8248-85D8B49D5DD0}" type="datetimeFigureOut">
               <a:rPr lang="zh-CN" altLang="en-US" smtClean="0"/>
               <a:t>2024/3/10</a:t>
             </a:fld>
@@ -869,7 +869,7 @@
           <p:cNvPr id="5" name="页脚占位符 4">
             <a:extLst>
               <a:ext uri="{FF2B5EF4-FFF2-40B4-BE49-F238E27FC236}">
-                <a16:creationId xmlns:a16="http://schemas.microsoft.com/office/drawing/2014/main" id="{ED5558FA-754C-2C41-5830-51ADCCB30EAA}"/>
+                <a16:creationId xmlns:a16="http://schemas.microsoft.com/office/drawing/2014/main" id="{8B3B6CA2-B101-DCCF-213F-14CD483130BE}"/>
               </a:ext>
             </a:extLst>
           </p:cNvPr>
@@ -894,7 +894,7 @@
           <p:cNvPr id="6" name="灯片编号占位符 5">
             <a:extLst>
               <a:ext uri="{FF2B5EF4-FFF2-40B4-BE49-F238E27FC236}">
-                <a16:creationId xmlns:a16="http://schemas.microsoft.com/office/drawing/2014/main" id="{E08A425E-3F33-CE14-AA5E-1925AEA734C0}"/>
+                <a16:creationId xmlns:a16="http://schemas.microsoft.com/office/drawing/2014/main" id="{E7BA02AB-B122-D476-7CA2-1936E8E1DE30}"/>
               </a:ext>
             </a:extLst>
           </p:cNvPr>
@@ -910,7 +910,7 @@
           <a:bodyPr/>
           <a:lstStyle/>
           <a:p>
-            <a:fld id="{40FAA850-FC60-40CB-99B8-17E2A974B809}" type="slidenum">
+            <a:fld id="{B1C439CD-A953-437E-8EBE-9EDFFDC8AFB9}" type="slidenum">
               <a:rPr lang="zh-CN" altLang="en-US" smtClean="0"/>
               <a:t>‹#›</a:t>
             </a:fld>
@@ -921,7 +921,7 @@
     </p:spTree>
     <p:extLst>
       <p:ext uri="{BB962C8B-B14F-4D97-AF65-F5344CB8AC3E}">
-        <p14:creationId xmlns:p14="http://schemas.microsoft.com/office/powerpoint/2010/main" val="2150523215"/>
+        <p14:creationId xmlns:p14="http://schemas.microsoft.com/office/powerpoint/2010/main" val="4255282172"/>
       </p:ext>
     </p:extLst>
   </p:cSld>
@@ -953,7 +953,7 @@
           <p:cNvPr id="2" name="标题 1">
             <a:extLst>
               <a:ext uri="{FF2B5EF4-FFF2-40B4-BE49-F238E27FC236}">
-                <a16:creationId xmlns:a16="http://schemas.microsoft.com/office/drawing/2014/main" id="{CC7B3BA9-2761-025F-C59E-4330B45C87AE}"/>
+                <a16:creationId xmlns:a16="http://schemas.microsoft.com/office/drawing/2014/main" id="{1590AB85-2FE5-D477-4FE9-84E6B442D618}"/>
               </a:ext>
             </a:extLst>
           </p:cNvPr>
@@ -990,7 +990,7 @@
           <p:cNvPr id="3" name="文本占位符 2">
             <a:extLst>
               <a:ext uri="{FF2B5EF4-FFF2-40B4-BE49-F238E27FC236}">
-                <a16:creationId xmlns:a16="http://schemas.microsoft.com/office/drawing/2014/main" id="{00752060-B7E2-6442-48B1-9F4117D2304D}"/>
+                <a16:creationId xmlns:a16="http://schemas.microsoft.com/office/drawing/2014/main" id="{959B22CF-005E-021E-9C98-C8EC584A8972}"/>
               </a:ext>
             </a:extLst>
           </p:cNvPr>
@@ -1115,7 +1115,7 @@
           <p:cNvPr id="4" name="日期占位符 3">
             <a:extLst>
               <a:ext uri="{FF2B5EF4-FFF2-40B4-BE49-F238E27FC236}">
-                <a16:creationId xmlns:a16="http://schemas.microsoft.com/office/drawing/2014/main" id="{1B56C43F-BA01-D1CC-5D85-EEB42339A93C}"/>
+                <a16:creationId xmlns:a16="http://schemas.microsoft.com/office/drawing/2014/main" id="{B98DFFD4-054C-F4BC-EEF5-15547340DA5D}"/>
               </a:ext>
             </a:extLst>
           </p:cNvPr>
@@ -1131,7 +1131,7 @@
           <a:bodyPr/>
           <a:lstStyle/>
           <a:p>
-            <a:fld id="{F382B6AC-E62B-4485-A22D-CE2ED0028908}" type="datetimeFigureOut">
+            <a:fld id="{16BCA40A-C196-4745-8248-85D8B49D5DD0}" type="datetimeFigureOut">
               <a:rPr lang="zh-CN" altLang="en-US" smtClean="0"/>
               <a:t>2024/3/10</a:t>
             </a:fld>
@@ -1144,7 +1144,7 @@
           <p:cNvPr id="5" name="页脚占位符 4">
             <a:extLst>
               <a:ext uri="{FF2B5EF4-FFF2-40B4-BE49-F238E27FC236}">
-                <a16:creationId xmlns:a16="http://schemas.microsoft.com/office/drawing/2014/main" id="{9AAE59A9-6E9F-038B-E805-FA4BFCD3E3A2}"/>
+                <a16:creationId xmlns:a16="http://schemas.microsoft.com/office/drawing/2014/main" id="{CCDB3CD1-AE2C-1F91-3F63-4202310838CE}"/>
               </a:ext>
             </a:extLst>
           </p:cNvPr>
@@ -1169,7 +1169,7 @@
           <p:cNvPr id="6" name="灯片编号占位符 5">
             <a:extLst>
               <a:ext uri="{FF2B5EF4-FFF2-40B4-BE49-F238E27FC236}">
-                <a16:creationId xmlns:a16="http://schemas.microsoft.com/office/drawing/2014/main" id="{9AD497A2-61AE-041A-8139-4DC70F7F9C74}"/>
+                <a16:creationId xmlns:a16="http://schemas.microsoft.com/office/drawing/2014/main" id="{8C672C99-C625-057F-8EDD-9041E8EEF178}"/>
               </a:ext>
             </a:extLst>
           </p:cNvPr>
@@ -1185,7 +1185,7 @@
           <a:bodyPr/>
           <a:lstStyle/>
           <a:p>
-            <a:fld id="{40FAA850-FC60-40CB-99B8-17E2A974B809}" type="slidenum">
+            <a:fld id="{B1C439CD-A953-437E-8EBE-9EDFFDC8AFB9}" type="slidenum">
               <a:rPr lang="zh-CN" altLang="en-US" smtClean="0"/>
               <a:t>‹#›</a:t>
             </a:fld>
@@ -1196,7 +1196,7 @@
     </p:spTree>
     <p:extLst>
       <p:ext uri="{BB962C8B-B14F-4D97-AF65-F5344CB8AC3E}">
-        <p14:creationId xmlns:p14="http://schemas.microsoft.com/office/powerpoint/2010/main" val="2236183953"/>
+        <p14:creationId xmlns:p14="http://schemas.microsoft.com/office/powerpoint/2010/main" val="2869819163"/>
       </p:ext>
     </p:extLst>
   </p:cSld>
@@ -1228,7 +1228,7 @@
           <p:cNvPr id="2" name="标题 1">
             <a:extLst>
               <a:ext uri="{FF2B5EF4-FFF2-40B4-BE49-F238E27FC236}">
-                <a16:creationId xmlns:a16="http://schemas.microsoft.com/office/drawing/2014/main" id="{AA28E663-0ACD-EB03-4B5E-EE85208DAB67}"/>
+                <a16:creationId xmlns:a16="http://schemas.microsoft.com/office/drawing/2014/main" id="{12BFB10D-4B22-0AEC-3736-CB6E65F225ED}"/>
               </a:ext>
             </a:extLst>
           </p:cNvPr>
@@ -1256,7 +1256,7 @@
           <p:cNvPr id="3" name="内容占位符 2">
             <a:extLst>
               <a:ext uri="{FF2B5EF4-FFF2-40B4-BE49-F238E27FC236}">
-                <a16:creationId xmlns:a16="http://schemas.microsoft.com/office/drawing/2014/main" id="{DFCC5DE6-1358-CB97-4C6A-AC9121263F68}"/>
+                <a16:creationId xmlns:a16="http://schemas.microsoft.com/office/drawing/2014/main" id="{D302281B-7484-8397-1772-5B4474508FC0}"/>
               </a:ext>
             </a:extLst>
           </p:cNvPr>
@@ -1318,7 +1318,7 @@
           <p:cNvPr id="4" name="内容占位符 3">
             <a:extLst>
               <a:ext uri="{FF2B5EF4-FFF2-40B4-BE49-F238E27FC236}">
-                <a16:creationId xmlns:a16="http://schemas.microsoft.com/office/drawing/2014/main" id="{392522AD-CDCF-460A-4FFB-E8CBDF2356CF}"/>
+                <a16:creationId xmlns:a16="http://schemas.microsoft.com/office/drawing/2014/main" id="{6948917B-C8A0-05DF-2DAF-BAF8B891CC93}"/>
               </a:ext>
             </a:extLst>
           </p:cNvPr>
@@ -1380,7 +1380,7 @@
           <p:cNvPr id="5" name="日期占位符 4">
             <a:extLst>
               <a:ext uri="{FF2B5EF4-FFF2-40B4-BE49-F238E27FC236}">
-                <a16:creationId xmlns:a16="http://schemas.microsoft.com/office/drawing/2014/main" id="{8985D77E-2140-B182-768B-F98AAB9175B3}"/>
+                <a16:creationId xmlns:a16="http://schemas.microsoft.com/office/drawing/2014/main" id="{D266489B-B512-56F6-C4A5-B765E32A4714}"/>
               </a:ext>
             </a:extLst>
           </p:cNvPr>
@@ -1396,7 +1396,7 @@
           <a:bodyPr/>
           <a:lstStyle/>
           <a:p>
-            <a:fld id="{F382B6AC-E62B-4485-A22D-CE2ED0028908}" type="datetimeFigureOut">
+            <a:fld id="{16BCA40A-C196-4745-8248-85D8B49D5DD0}" type="datetimeFigureOut">
               <a:rPr lang="zh-CN" altLang="en-US" smtClean="0"/>
               <a:t>2024/3/10</a:t>
             </a:fld>
@@ -1409,7 +1409,7 @@
           <p:cNvPr id="6" name="页脚占位符 5">
             <a:extLst>
               <a:ext uri="{FF2B5EF4-FFF2-40B4-BE49-F238E27FC236}">
-                <a16:creationId xmlns:a16="http://schemas.microsoft.com/office/drawing/2014/main" id="{1F0CAF90-7770-016B-4EDC-ABE7E30FE412}"/>
+                <a16:creationId xmlns:a16="http://schemas.microsoft.com/office/drawing/2014/main" id="{8ECE7669-F560-DB28-357B-D0A6D1DF9810}"/>
               </a:ext>
             </a:extLst>
           </p:cNvPr>
@@ -1434,7 +1434,7 @@
           <p:cNvPr id="7" name="灯片编号占位符 6">
             <a:extLst>
               <a:ext uri="{FF2B5EF4-FFF2-40B4-BE49-F238E27FC236}">
-                <a16:creationId xmlns:a16="http://schemas.microsoft.com/office/drawing/2014/main" id="{6BB84C46-B717-D23D-3C6F-90F8EF15059D}"/>
+                <a16:creationId xmlns:a16="http://schemas.microsoft.com/office/drawing/2014/main" id="{6019E552-6A7C-BA76-8158-019A440F7BB0}"/>
               </a:ext>
             </a:extLst>
           </p:cNvPr>
@@ -1450,7 +1450,7 @@
           <a:bodyPr/>
           <a:lstStyle/>
           <a:p>
-            <a:fld id="{40FAA850-FC60-40CB-99B8-17E2A974B809}" type="slidenum">
+            <a:fld id="{B1C439CD-A953-437E-8EBE-9EDFFDC8AFB9}" type="slidenum">
               <a:rPr lang="zh-CN" altLang="en-US" smtClean="0"/>
               <a:t>‹#›</a:t>
             </a:fld>
@@ -1461,7 +1461,7 @@
     </p:spTree>
     <p:extLst>
       <p:ext uri="{BB962C8B-B14F-4D97-AF65-F5344CB8AC3E}">
-        <p14:creationId xmlns:p14="http://schemas.microsoft.com/office/powerpoint/2010/main" val="651600957"/>
+        <p14:creationId xmlns:p14="http://schemas.microsoft.com/office/powerpoint/2010/main" val="1440340586"/>
       </p:ext>
     </p:extLst>
   </p:cSld>
@@ -1493,7 +1493,7 @@
           <p:cNvPr id="2" name="标题 1">
             <a:extLst>
               <a:ext uri="{FF2B5EF4-FFF2-40B4-BE49-F238E27FC236}">
-                <a16:creationId xmlns:a16="http://schemas.microsoft.com/office/drawing/2014/main" id="{7317B387-DE8E-1603-A466-AAC0CBA0280F}"/>
+                <a16:creationId xmlns:a16="http://schemas.microsoft.com/office/drawing/2014/main" id="{2E613AA9-83BF-5345-A567-8D645B718B8F}"/>
               </a:ext>
             </a:extLst>
           </p:cNvPr>
@@ -1526,7 +1526,7 @@
           <p:cNvPr id="3" name="文本占位符 2">
             <a:extLst>
               <a:ext uri="{FF2B5EF4-FFF2-40B4-BE49-F238E27FC236}">
-                <a16:creationId xmlns:a16="http://schemas.microsoft.com/office/drawing/2014/main" id="{CC7D0644-2734-6087-0350-AB89073F60F6}"/>
+                <a16:creationId xmlns:a16="http://schemas.microsoft.com/office/drawing/2014/main" id="{EB30587C-1F5B-0D0C-4F2F-34AA5C2CE17B}"/>
               </a:ext>
             </a:extLst>
           </p:cNvPr>
@@ -1597,7 +1597,7 @@
           <p:cNvPr id="4" name="内容占位符 3">
             <a:extLst>
               <a:ext uri="{FF2B5EF4-FFF2-40B4-BE49-F238E27FC236}">
-                <a16:creationId xmlns:a16="http://schemas.microsoft.com/office/drawing/2014/main" id="{10208473-2984-087B-1C45-8CE58E53D67E}"/>
+                <a16:creationId xmlns:a16="http://schemas.microsoft.com/office/drawing/2014/main" id="{73D6EF72-E289-D769-D06A-094DFA1C060B}"/>
               </a:ext>
             </a:extLst>
           </p:cNvPr>
@@ -1659,7 +1659,7 @@
           <p:cNvPr id="5" name="文本占位符 4">
             <a:extLst>
               <a:ext uri="{FF2B5EF4-FFF2-40B4-BE49-F238E27FC236}">
-                <a16:creationId xmlns:a16="http://schemas.microsoft.com/office/drawing/2014/main" id="{B60D3782-5D89-E9C3-6F36-2AB56D3B55D1}"/>
+                <a16:creationId xmlns:a16="http://schemas.microsoft.com/office/drawing/2014/main" id="{E66C1974-ED4C-FDE9-4577-D6A820400064}"/>
               </a:ext>
             </a:extLst>
           </p:cNvPr>
@@ -1730,7 +1730,7 @@
           <p:cNvPr id="6" name="内容占位符 5">
             <a:extLst>
               <a:ext uri="{FF2B5EF4-FFF2-40B4-BE49-F238E27FC236}">
-                <a16:creationId xmlns:a16="http://schemas.microsoft.com/office/drawing/2014/main" id="{ABFC406B-D420-1CBE-2126-4F2CA213F3EF}"/>
+                <a16:creationId xmlns:a16="http://schemas.microsoft.com/office/drawing/2014/main" id="{7B57D6B3-C582-A0B0-6795-2B356861138A}"/>
               </a:ext>
             </a:extLst>
           </p:cNvPr>
@@ -1792,7 +1792,7 @@
           <p:cNvPr id="7" name="日期占位符 6">
             <a:extLst>
               <a:ext uri="{FF2B5EF4-FFF2-40B4-BE49-F238E27FC236}">
-                <a16:creationId xmlns:a16="http://schemas.microsoft.com/office/drawing/2014/main" id="{EBBB71D8-02B5-D5A3-938D-FE7E96352E29}"/>
+                <a16:creationId xmlns:a16="http://schemas.microsoft.com/office/drawing/2014/main" id="{851FD25F-54E9-D187-0DE6-23CC26021219}"/>
               </a:ext>
             </a:extLst>
           </p:cNvPr>
@@ -1808,7 +1808,7 @@
           <a:bodyPr/>
           <a:lstStyle/>
           <a:p>
-            <a:fld id="{F382B6AC-E62B-4485-A22D-CE2ED0028908}" type="datetimeFigureOut">
+            <a:fld id="{16BCA40A-C196-4745-8248-85D8B49D5DD0}" type="datetimeFigureOut">
               <a:rPr lang="zh-CN" altLang="en-US" smtClean="0"/>
               <a:t>2024/3/10</a:t>
             </a:fld>
@@ -1821,7 +1821,7 @@
           <p:cNvPr id="8" name="页脚占位符 7">
             <a:extLst>
               <a:ext uri="{FF2B5EF4-FFF2-40B4-BE49-F238E27FC236}">
-                <a16:creationId xmlns:a16="http://schemas.microsoft.com/office/drawing/2014/main" id="{77575C78-F559-9380-3938-AB05DB4438E5}"/>
+                <a16:creationId xmlns:a16="http://schemas.microsoft.com/office/drawing/2014/main" id="{66E29796-B16D-6188-4A2C-F7BF645F8289}"/>
               </a:ext>
             </a:extLst>
           </p:cNvPr>
@@ -1846,7 +1846,7 @@
           <p:cNvPr id="9" name="灯片编号占位符 8">
             <a:extLst>
               <a:ext uri="{FF2B5EF4-FFF2-40B4-BE49-F238E27FC236}">
-                <a16:creationId xmlns:a16="http://schemas.microsoft.com/office/drawing/2014/main" id="{AEED4308-FE92-D762-D912-AAABA995347F}"/>
+                <a16:creationId xmlns:a16="http://schemas.microsoft.com/office/drawing/2014/main" id="{93EBBDBD-0FEA-7BE6-0A83-51E15CE41A36}"/>
               </a:ext>
             </a:extLst>
           </p:cNvPr>
@@ -1862,7 +1862,7 @@
           <a:bodyPr/>
           <a:lstStyle/>
           <a:p>
-            <a:fld id="{40FAA850-FC60-40CB-99B8-17E2A974B809}" type="slidenum">
+            <a:fld id="{B1C439CD-A953-437E-8EBE-9EDFFDC8AFB9}" type="slidenum">
               <a:rPr lang="zh-CN" altLang="en-US" smtClean="0"/>
               <a:t>‹#›</a:t>
             </a:fld>
@@ -1873,7 +1873,7 @@
     </p:spTree>
     <p:extLst>
       <p:ext uri="{BB962C8B-B14F-4D97-AF65-F5344CB8AC3E}">
-        <p14:creationId xmlns:p14="http://schemas.microsoft.com/office/powerpoint/2010/main" val="3479354557"/>
+        <p14:creationId xmlns:p14="http://schemas.microsoft.com/office/powerpoint/2010/main" val="1550670762"/>
       </p:ext>
     </p:extLst>
   </p:cSld>
@@ -1905,7 +1905,7 @@
           <p:cNvPr id="2" name="标题 1">
             <a:extLst>
               <a:ext uri="{FF2B5EF4-FFF2-40B4-BE49-F238E27FC236}">
-                <a16:creationId xmlns:a16="http://schemas.microsoft.com/office/drawing/2014/main" id="{037AE129-9A20-08E6-2B8F-5B506F1C613C}"/>
+                <a16:creationId xmlns:a16="http://schemas.microsoft.com/office/drawing/2014/main" id="{575E4A1E-380C-DDD1-73FA-ED20C47015C6}"/>
               </a:ext>
             </a:extLst>
           </p:cNvPr>
@@ -1933,7 +1933,7 @@
           <p:cNvPr id="3" name="日期占位符 2">
             <a:extLst>
               <a:ext uri="{FF2B5EF4-FFF2-40B4-BE49-F238E27FC236}">
-                <a16:creationId xmlns:a16="http://schemas.microsoft.com/office/drawing/2014/main" id="{B4C5243A-AA04-3511-BE58-96132F012B18}"/>
+                <a16:creationId xmlns:a16="http://schemas.microsoft.com/office/drawing/2014/main" id="{58DD32AB-BC8C-B78B-FB2D-1DA20BD9C7D9}"/>
               </a:ext>
             </a:extLst>
           </p:cNvPr>
@@ -1949,7 +1949,7 @@
           <a:bodyPr/>
           <a:lstStyle/>
           <a:p>
-            <a:fld id="{F382B6AC-E62B-4485-A22D-CE2ED0028908}" type="datetimeFigureOut">
+            <a:fld id="{16BCA40A-C196-4745-8248-85D8B49D5DD0}" type="datetimeFigureOut">
               <a:rPr lang="zh-CN" altLang="en-US" smtClean="0"/>
               <a:t>2024/3/10</a:t>
             </a:fld>
@@ -1962,7 +1962,7 @@
           <p:cNvPr id="4" name="页脚占位符 3">
             <a:extLst>
               <a:ext uri="{FF2B5EF4-FFF2-40B4-BE49-F238E27FC236}">
-                <a16:creationId xmlns:a16="http://schemas.microsoft.com/office/drawing/2014/main" id="{91310D1B-FAC8-DD1B-7D1E-D0103AC1B1E7}"/>
+                <a16:creationId xmlns:a16="http://schemas.microsoft.com/office/drawing/2014/main" id="{03F6D3E7-4ABF-4E18-8F3C-8EED50D55F60}"/>
               </a:ext>
             </a:extLst>
           </p:cNvPr>
@@ -1987,7 +1987,7 @@
           <p:cNvPr id="5" name="灯片编号占位符 4">
             <a:extLst>
               <a:ext uri="{FF2B5EF4-FFF2-40B4-BE49-F238E27FC236}">
-                <a16:creationId xmlns:a16="http://schemas.microsoft.com/office/drawing/2014/main" id="{9214844E-68AB-CFAA-34E6-AF27006797F6}"/>
+                <a16:creationId xmlns:a16="http://schemas.microsoft.com/office/drawing/2014/main" id="{8D489A7F-DA0D-0226-4242-950C5410AF13}"/>
               </a:ext>
             </a:extLst>
           </p:cNvPr>
@@ -2003,7 +2003,7 @@
           <a:bodyPr/>
           <a:lstStyle/>
           <a:p>
-            <a:fld id="{40FAA850-FC60-40CB-99B8-17E2A974B809}" type="slidenum">
+            <a:fld id="{B1C439CD-A953-437E-8EBE-9EDFFDC8AFB9}" type="slidenum">
               <a:rPr lang="zh-CN" altLang="en-US" smtClean="0"/>
               <a:t>‹#›</a:t>
             </a:fld>
@@ -2014,7 +2014,7 @@
     </p:spTree>
     <p:extLst>
       <p:ext uri="{BB962C8B-B14F-4D97-AF65-F5344CB8AC3E}">
-        <p14:creationId xmlns:p14="http://schemas.microsoft.com/office/powerpoint/2010/main" val="4097326237"/>
+        <p14:creationId xmlns:p14="http://schemas.microsoft.com/office/powerpoint/2010/main" val="502220191"/>
       </p:ext>
     </p:extLst>
   </p:cSld>
@@ -2046,7 +2046,7 @@
           <p:cNvPr id="2" name="日期占位符 1">
             <a:extLst>
               <a:ext uri="{FF2B5EF4-FFF2-40B4-BE49-F238E27FC236}">
-                <a16:creationId xmlns:a16="http://schemas.microsoft.com/office/drawing/2014/main" id="{FEFA16ED-A4AD-6329-0288-6692E7E2969F}"/>
+                <a16:creationId xmlns:a16="http://schemas.microsoft.com/office/drawing/2014/main" id="{1362D06C-D996-E23B-F17A-5DF7DB298F73}"/>
               </a:ext>
             </a:extLst>
           </p:cNvPr>
@@ -2062,7 +2062,7 @@
           <a:bodyPr/>
           <a:lstStyle/>
           <a:p>
-            <a:fld id="{F382B6AC-E62B-4485-A22D-CE2ED0028908}" type="datetimeFigureOut">
+            <a:fld id="{16BCA40A-C196-4745-8248-85D8B49D5DD0}" type="datetimeFigureOut">
               <a:rPr lang="zh-CN" altLang="en-US" smtClean="0"/>
               <a:t>2024/3/10</a:t>
             </a:fld>
@@ -2075,7 +2075,7 @@
           <p:cNvPr id="3" name="页脚占位符 2">
             <a:extLst>
               <a:ext uri="{FF2B5EF4-FFF2-40B4-BE49-F238E27FC236}">
-                <a16:creationId xmlns:a16="http://schemas.microsoft.com/office/drawing/2014/main" id="{0DF8E0EF-5092-327A-CA52-EEC5FAC58390}"/>
+                <a16:creationId xmlns:a16="http://schemas.microsoft.com/office/drawing/2014/main" id="{A0224D7A-2646-C449-3EA9-7E2900F67D9B}"/>
               </a:ext>
             </a:extLst>
           </p:cNvPr>
@@ -2100,7 +2100,7 @@
           <p:cNvPr id="4" name="灯片编号占位符 3">
             <a:extLst>
               <a:ext uri="{FF2B5EF4-FFF2-40B4-BE49-F238E27FC236}">
-                <a16:creationId xmlns:a16="http://schemas.microsoft.com/office/drawing/2014/main" id="{FF96D3BD-DFF8-5B16-BA3D-DC5B179F807E}"/>
+                <a16:creationId xmlns:a16="http://schemas.microsoft.com/office/drawing/2014/main" id="{602CA69E-C0F6-FC16-D87D-B0B75A3749CB}"/>
               </a:ext>
             </a:extLst>
           </p:cNvPr>
@@ -2116,7 +2116,7 @@
           <a:bodyPr/>
           <a:lstStyle/>
           <a:p>
-            <a:fld id="{40FAA850-FC60-40CB-99B8-17E2A974B809}" type="slidenum">
+            <a:fld id="{B1C439CD-A953-437E-8EBE-9EDFFDC8AFB9}" type="slidenum">
               <a:rPr lang="zh-CN" altLang="en-US" smtClean="0"/>
               <a:t>‹#›</a:t>
             </a:fld>
@@ -2127,7 +2127,7 @@
     </p:spTree>
     <p:extLst>
       <p:ext uri="{BB962C8B-B14F-4D97-AF65-F5344CB8AC3E}">
-        <p14:creationId xmlns:p14="http://schemas.microsoft.com/office/powerpoint/2010/main" val="2430025909"/>
+        <p14:creationId xmlns:p14="http://schemas.microsoft.com/office/powerpoint/2010/main" val="128063374"/>
       </p:ext>
     </p:extLst>
   </p:cSld>
@@ -2159,7 +2159,7 @@
           <p:cNvPr id="2" name="标题 1">
             <a:extLst>
               <a:ext uri="{FF2B5EF4-FFF2-40B4-BE49-F238E27FC236}">
-                <a16:creationId xmlns:a16="http://schemas.microsoft.com/office/drawing/2014/main" id="{CE8284A0-3733-E4A2-0ABC-24773F114315}"/>
+                <a16:creationId xmlns:a16="http://schemas.microsoft.com/office/drawing/2014/main" id="{BC719B06-17BD-5750-2D1C-BB3214EC9487}"/>
               </a:ext>
             </a:extLst>
           </p:cNvPr>
@@ -2196,7 +2196,7 @@
           <p:cNvPr id="3" name="内容占位符 2">
             <a:extLst>
               <a:ext uri="{FF2B5EF4-FFF2-40B4-BE49-F238E27FC236}">
-                <a16:creationId xmlns:a16="http://schemas.microsoft.com/office/drawing/2014/main" id="{C2342CAC-9550-9DFB-8E42-A649A5F41025}"/>
+                <a16:creationId xmlns:a16="http://schemas.microsoft.com/office/drawing/2014/main" id="{D3D7E053-713C-D313-D225-34C8F0C49650}"/>
               </a:ext>
             </a:extLst>
           </p:cNvPr>
@@ -2286,7 +2286,7 @@
           <p:cNvPr id="4" name="文本占位符 3">
             <a:extLst>
               <a:ext uri="{FF2B5EF4-FFF2-40B4-BE49-F238E27FC236}">
-                <a16:creationId xmlns:a16="http://schemas.microsoft.com/office/drawing/2014/main" id="{CDDD9F5B-4D17-B230-162A-A87ED4CBBFF8}"/>
+                <a16:creationId xmlns:a16="http://schemas.microsoft.com/office/drawing/2014/main" id="{21D843CC-0CC1-53B8-DCBB-DF9153637044}"/>
               </a:ext>
             </a:extLst>
           </p:cNvPr>
@@ -2357,7 +2357,7 @@
           <p:cNvPr id="5" name="日期占位符 4">
             <a:extLst>
               <a:ext uri="{FF2B5EF4-FFF2-40B4-BE49-F238E27FC236}">
-                <a16:creationId xmlns:a16="http://schemas.microsoft.com/office/drawing/2014/main" id="{E5CEDB2A-A8B1-D0E6-AE6D-56EF96632968}"/>
+                <a16:creationId xmlns:a16="http://schemas.microsoft.com/office/drawing/2014/main" id="{E066B151-641C-3FAB-3049-AE4C4698DA9C}"/>
               </a:ext>
             </a:extLst>
           </p:cNvPr>
@@ -2373,7 +2373,7 @@
           <a:bodyPr/>
           <a:lstStyle/>
           <a:p>
-            <a:fld id="{F382B6AC-E62B-4485-A22D-CE2ED0028908}" type="datetimeFigureOut">
+            <a:fld id="{16BCA40A-C196-4745-8248-85D8B49D5DD0}" type="datetimeFigureOut">
               <a:rPr lang="zh-CN" altLang="en-US" smtClean="0"/>
               <a:t>2024/3/10</a:t>
             </a:fld>
@@ -2386,7 +2386,7 @@
           <p:cNvPr id="6" name="页脚占位符 5">
             <a:extLst>
               <a:ext uri="{FF2B5EF4-FFF2-40B4-BE49-F238E27FC236}">
-                <a16:creationId xmlns:a16="http://schemas.microsoft.com/office/drawing/2014/main" id="{C634532B-E9CF-A7B3-4920-76ACC90E1243}"/>
+                <a16:creationId xmlns:a16="http://schemas.microsoft.com/office/drawing/2014/main" id="{3CF85D7A-9512-5C16-C27B-1B39C86D8C3D}"/>
               </a:ext>
             </a:extLst>
           </p:cNvPr>
@@ -2411,7 +2411,7 @@
           <p:cNvPr id="7" name="灯片编号占位符 6">
             <a:extLst>
               <a:ext uri="{FF2B5EF4-FFF2-40B4-BE49-F238E27FC236}">
-                <a16:creationId xmlns:a16="http://schemas.microsoft.com/office/drawing/2014/main" id="{B5BF2970-9F85-34DD-861A-0B9BE19A5367}"/>
+                <a16:creationId xmlns:a16="http://schemas.microsoft.com/office/drawing/2014/main" id="{075FD535-CE5A-69B8-AE33-286B2615A8F2}"/>
               </a:ext>
             </a:extLst>
           </p:cNvPr>
@@ -2427,7 +2427,7 @@
           <a:bodyPr/>
           <a:lstStyle/>
           <a:p>
-            <a:fld id="{40FAA850-FC60-40CB-99B8-17E2A974B809}" type="slidenum">
+            <a:fld id="{B1C439CD-A953-437E-8EBE-9EDFFDC8AFB9}" type="slidenum">
               <a:rPr lang="zh-CN" altLang="en-US" smtClean="0"/>
               <a:t>‹#›</a:t>
             </a:fld>
@@ -2438,7 +2438,7 @@
     </p:spTree>
     <p:extLst>
       <p:ext uri="{BB962C8B-B14F-4D97-AF65-F5344CB8AC3E}">
-        <p14:creationId xmlns:p14="http://schemas.microsoft.com/office/powerpoint/2010/main" val="1181848870"/>
+        <p14:creationId xmlns:p14="http://schemas.microsoft.com/office/powerpoint/2010/main" val="2077866136"/>
       </p:ext>
     </p:extLst>
   </p:cSld>
@@ -2470,7 +2470,7 @@
           <p:cNvPr id="2" name="标题 1">
             <a:extLst>
               <a:ext uri="{FF2B5EF4-FFF2-40B4-BE49-F238E27FC236}">
-                <a16:creationId xmlns:a16="http://schemas.microsoft.com/office/drawing/2014/main" id="{C5A3AA9D-DE3F-A946-81C7-B58D055B4DBF}"/>
+                <a16:creationId xmlns:a16="http://schemas.microsoft.com/office/drawing/2014/main" id="{40EECAB1-6845-E232-103A-A6511F65498E}"/>
               </a:ext>
             </a:extLst>
           </p:cNvPr>
@@ -2507,7 +2507,7 @@
           <p:cNvPr id="3" name="图片占位符 2">
             <a:extLst>
               <a:ext uri="{FF2B5EF4-FFF2-40B4-BE49-F238E27FC236}">
-                <a16:creationId xmlns:a16="http://schemas.microsoft.com/office/drawing/2014/main" id="{A0230EE6-F076-6A97-78C7-DA7B5D8FB307}"/>
+                <a16:creationId xmlns:a16="http://schemas.microsoft.com/office/drawing/2014/main" id="{6F3F16E5-3C00-FBBC-C7F6-EB364453AEA0}"/>
               </a:ext>
             </a:extLst>
           </p:cNvPr>
@@ -2574,7 +2574,7 @@
           <p:cNvPr id="4" name="文本占位符 3">
             <a:extLst>
               <a:ext uri="{FF2B5EF4-FFF2-40B4-BE49-F238E27FC236}">
-                <a16:creationId xmlns:a16="http://schemas.microsoft.com/office/drawing/2014/main" id="{BEDB0B77-C953-85E3-9DFF-509EC83E546E}"/>
+                <a16:creationId xmlns:a16="http://schemas.microsoft.com/office/drawing/2014/main" id="{B6E93866-6315-2CB9-8FD6-2B0A4D26EE79}"/>
               </a:ext>
             </a:extLst>
           </p:cNvPr>
@@ -2645,7 +2645,7 @@
           <p:cNvPr id="5" name="日期占位符 4">
             <a:extLst>
               <a:ext uri="{FF2B5EF4-FFF2-40B4-BE49-F238E27FC236}">
-                <a16:creationId xmlns:a16="http://schemas.microsoft.com/office/drawing/2014/main" id="{5FD8C7C5-58B0-4C1C-A1A3-55AF242A7215}"/>
+                <a16:creationId xmlns:a16="http://schemas.microsoft.com/office/drawing/2014/main" id="{27BCAA94-AC34-238B-D149-B7D988B8E31C}"/>
               </a:ext>
             </a:extLst>
           </p:cNvPr>
@@ -2661,7 +2661,7 @@
           <a:bodyPr/>
           <a:lstStyle/>
           <a:p>
-            <a:fld id="{F382B6AC-E62B-4485-A22D-CE2ED0028908}" type="datetimeFigureOut">
+            <a:fld id="{16BCA40A-C196-4745-8248-85D8B49D5DD0}" type="datetimeFigureOut">
               <a:rPr lang="zh-CN" altLang="en-US" smtClean="0"/>
               <a:t>2024/3/10</a:t>
             </a:fld>
@@ -2674,7 +2674,7 @@
           <p:cNvPr id="6" name="页脚占位符 5">
             <a:extLst>
               <a:ext uri="{FF2B5EF4-FFF2-40B4-BE49-F238E27FC236}">
-                <a16:creationId xmlns:a16="http://schemas.microsoft.com/office/drawing/2014/main" id="{D4E96B06-3A07-D552-5BB9-A74A2E313832}"/>
+                <a16:creationId xmlns:a16="http://schemas.microsoft.com/office/drawing/2014/main" id="{DAF7E8F6-7F99-2E49-C8A0-82EB6CF27278}"/>
               </a:ext>
             </a:extLst>
           </p:cNvPr>
@@ -2699,7 +2699,7 @@
           <p:cNvPr id="7" name="灯片编号占位符 6">
             <a:extLst>
               <a:ext uri="{FF2B5EF4-FFF2-40B4-BE49-F238E27FC236}">
-                <a16:creationId xmlns:a16="http://schemas.microsoft.com/office/drawing/2014/main" id="{8A3DF0BC-5CA0-5848-A2A7-AAE486DC3ABF}"/>
+                <a16:creationId xmlns:a16="http://schemas.microsoft.com/office/drawing/2014/main" id="{25D0C127-BFBE-C279-C4D5-BE9FF5F5D156}"/>
               </a:ext>
             </a:extLst>
           </p:cNvPr>
@@ -2715,7 +2715,7 @@
           <a:bodyPr/>
           <a:lstStyle/>
           <a:p>
-            <a:fld id="{40FAA850-FC60-40CB-99B8-17E2A974B809}" type="slidenum">
+            <a:fld id="{B1C439CD-A953-437E-8EBE-9EDFFDC8AFB9}" type="slidenum">
               <a:rPr lang="zh-CN" altLang="en-US" smtClean="0"/>
               <a:t>‹#›</a:t>
             </a:fld>
@@ -2726,7 +2726,7 @@
     </p:spTree>
     <p:extLst>
       <p:ext uri="{BB962C8B-B14F-4D97-AF65-F5344CB8AC3E}">
-        <p14:creationId xmlns:p14="http://schemas.microsoft.com/office/powerpoint/2010/main" val="2345443061"/>
+        <p14:creationId xmlns:p14="http://schemas.microsoft.com/office/powerpoint/2010/main" val="2169415315"/>
       </p:ext>
     </p:extLst>
   </p:cSld>
@@ -2763,7 +2763,7 @@
           <p:cNvPr id="2" name="标题占位符 1">
             <a:extLst>
               <a:ext uri="{FF2B5EF4-FFF2-40B4-BE49-F238E27FC236}">
-                <a16:creationId xmlns:a16="http://schemas.microsoft.com/office/drawing/2014/main" id="{F1FE73EA-4A65-F54A-C47F-686FA85F36DB}"/>
+                <a16:creationId xmlns:a16="http://schemas.microsoft.com/office/drawing/2014/main" id="{F9B12E88-01F7-19C5-C864-BA14A9BCC89D}"/>
               </a:ext>
             </a:extLst>
           </p:cNvPr>
@@ -2801,7 +2801,7 @@
           <p:cNvPr id="3" name="文本占位符 2">
             <a:extLst>
               <a:ext uri="{FF2B5EF4-FFF2-40B4-BE49-F238E27FC236}">
-                <a16:creationId xmlns:a16="http://schemas.microsoft.com/office/drawing/2014/main" id="{A220E330-643B-537B-3CA2-C93FEF973626}"/>
+                <a16:creationId xmlns:a16="http://schemas.microsoft.com/office/drawing/2014/main" id="{0A06CA1E-C17C-AF4D-7946-9CE747D86712}"/>
               </a:ext>
             </a:extLst>
           </p:cNvPr>
@@ -2868,7 +2868,7 @@
           <p:cNvPr id="4" name="日期占位符 3">
             <a:extLst>
               <a:ext uri="{FF2B5EF4-FFF2-40B4-BE49-F238E27FC236}">
-                <a16:creationId xmlns:a16="http://schemas.microsoft.com/office/drawing/2014/main" id="{DAE843DA-7B8C-DEBD-B2E5-FD2B421FD39F}"/>
+                <a16:creationId xmlns:a16="http://schemas.microsoft.com/office/drawing/2014/main" id="{08B89E8B-1327-32AE-0466-6B9B11FB3165}"/>
               </a:ext>
             </a:extLst>
           </p:cNvPr>
@@ -2902,7 +2902,7 @@
             </a:lvl1pPr>
           </a:lstStyle>
           <a:p>
-            <a:fld id="{F382B6AC-E62B-4485-A22D-CE2ED0028908}" type="datetimeFigureOut">
+            <a:fld id="{16BCA40A-C196-4745-8248-85D8B49D5DD0}" type="datetimeFigureOut">
               <a:rPr lang="zh-CN" altLang="en-US" smtClean="0"/>
               <a:t>2024/3/10</a:t>
             </a:fld>
@@ -2915,7 +2915,7 @@
           <p:cNvPr id="5" name="页脚占位符 4">
             <a:extLst>
               <a:ext uri="{FF2B5EF4-FFF2-40B4-BE49-F238E27FC236}">
-                <a16:creationId xmlns:a16="http://schemas.microsoft.com/office/drawing/2014/main" id="{5196C37C-80A4-2496-4369-987A879F7E40}"/>
+                <a16:creationId xmlns:a16="http://schemas.microsoft.com/office/drawing/2014/main" id="{58F65836-6B0A-D9AE-6CF8-2EF9A9CF36B5}"/>
               </a:ext>
             </a:extLst>
           </p:cNvPr>
@@ -2958,7 +2958,7 @@
           <p:cNvPr id="6" name="灯片编号占位符 5">
             <a:extLst>
               <a:ext uri="{FF2B5EF4-FFF2-40B4-BE49-F238E27FC236}">
-                <a16:creationId xmlns:a16="http://schemas.microsoft.com/office/drawing/2014/main" id="{EFB13B57-7935-C453-95C9-79F436B0D78B}"/>
+                <a16:creationId xmlns:a16="http://schemas.microsoft.com/office/drawing/2014/main" id="{AB15F534-45C4-CA63-D5AE-378398A7552C}"/>
               </a:ext>
             </a:extLst>
           </p:cNvPr>
@@ -2992,7 +2992,7 @@
             </a:lvl1pPr>
           </a:lstStyle>
           <a:p>
-            <a:fld id="{40FAA850-FC60-40CB-99B8-17E2A974B809}" type="slidenum">
+            <a:fld id="{B1C439CD-A953-437E-8EBE-9EDFFDC8AFB9}" type="slidenum">
               <a:rPr lang="zh-CN" altLang="en-US" smtClean="0"/>
               <a:t>‹#›</a:t>
             </a:fld>
@@ -3003,7 +3003,7 @@
     </p:spTree>
     <p:extLst>
       <p:ext uri="{BB962C8B-B14F-4D97-AF65-F5344CB8AC3E}">
-        <p14:creationId xmlns:p14="http://schemas.microsoft.com/office/powerpoint/2010/main" val="1851187417"/>
+        <p14:creationId xmlns:p14="http://schemas.microsoft.com/office/powerpoint/2010/main" val="1290983592"/>
       </p:ext>
     </p:extLst>
   </p:cSld>
@@ -3323,7 +3323,7 @@
       </p:grpSpPr>
       <p:pic>
         <p:nvPicPr>
-          <p:cNvPr id="415746" name="Picture 2" descr="405"/>
+          <p:cNvPr id="416770" name="Picture 2" descr="406"/>
           <p:cNvPicPr>
             <a:picLocks noChangeAspect="1" noChangeArrowheads="1"/>
           </p:cNvPicPr>
